--- a/设计图.pptx
+++ b/设计图.pptx
@@ -10644,7 +10644,7 @@
         </p:nvGrpSpPr>
         <p:grpSpPr>
           <a:xfrm>
-            <a:off x="801989" y="4215273"/>
+            <a:off x="1580928" y="4410011"/>
             <a:ext cx="10588852" cy="2417566"/>
             <a:chOff x="801989" y="4215273"/>
             <a:chExt cx="10588852" cy="2417566"/>
@@ -12215,7 +12215,7 @@
         </p:nvGrpSpPr>
         <p:grpSpPr>
           <a:xfrm>
-            <a:off x="6114685" y="2876783"/>
+            <a:off x="6894298" y="3071519"/>
             <a:ext cx="5276156" cy="843281"/>
             <a:chOff x="5652568" y="2803935"/>
             <a:chExt cx="5276156" cy="843281"/>
@@ -12770,10 +12770,10 @@
       </p:grpSp>
       <p:grpSp>
         <p:nvGrpSpPr>
-          <p:cNvPr id="71" name="组合 70">
-            <a:extLst>
-              <a:ext uri="{FF2B5EF4-FFF2-40B4-BE49-F238E27FC236}">
-                <a16:creationId xmlns:a16="http://schemas.microsoft.com/office/drawing/2014/main" id="{A9ECBBDD-C12E-45C2-86BD-DFD9273E6405}"/>
+          <p:cNvPr id="127" name="组合 126">
+            <a:extLst>
+              <a:ext uri="{FF2B5EF4-FFF2-40B4-BE49-F238E27FC236}">
+                <a16:creationId xmlns:a16="http://schemas.microsoft.com/office/drawing/2014/main" id="{456318D2-80D5-48F0-A9A4-B0F10D4F5986}"/>
               </a:ext>
             </a:extLst>
           </p:cNvPr>
@@ -12782,10 +12782,10 @@
         </p:nvGrpSpPr>
         <p:grpSpPr>
           <a:xfrm>
-            <a:off x="2819320" y="1492451"/>
-            <a:ext cx="3048577" cy="843281"/>
-            <a:chOff x="8764803" y="3142684"/>
-            <a:chExt cx="3048577" cy="843281"/>
+            <a:off x="5190836" y="3068346"/>
+            <a:ext cx="1701880" cy="843281"/>
+            <a:chOff x="2819321" y="1492451"/>
+            <a:chExt cx="1701880" cy="843281"/>
           </a:xfrm>
         </p:grpSpPr>
         <p:sp>
@@ -12802,8 +12802,8 @@
           </p:nvSpPr>
           <p:spPr>
             <a:xfrm>
-              <a:off x="8764803" y="3142684"/>
-              <a:ext cx="3048577" cy="843281"/>
+              <a:off x="2819321" y="1492451"/>
+              <a:ext cx="1701880" cy="843281"/>
             </a:xfrm>
             <a:prstGeom prst="foldedCorner">
               <a:avLst/>
@@ -12868,10 +12868,10 @@
           </p:nvGrpSpPr>
           <p:grpSpPr>
             <a:xfrm>
-              <a:off x="8804535" y="3207084"/>
-              <a:ext cx="2969115" cy="357242"/>
-              <a:chOff x="8804535" y="3207084"/>
-              <a:chExt cx="2969115" cy="357242"/>
+              <a:off x="2891922" y="1556851"/>
+              <a:ext cx="1556678" cy="357243"/>
+              <a:chOff x="8845454" y="3207083"/>
+              <a:chExt cx="1556678" cy="357243"/>
             </a:xfrm>
           </p:grpSpPr>
           <p:sp>
@@ -12888,8 +12888,8 @@
             </p:nvSpPr>
             <p:spPr>
               <a:xfrm>
-                <a:off x="9794240" y="3207084"/>
-                <a:ext cx="989705" cy="357241"/>
+                <a:off x="9623793" y="3207083"/>
+                <a:ext cx="778339" cy="357241"/>
               </a:xfrm>
               <a:prstGeom prst="rect">
                 <a:avLst/>
@@ -12926,7 +12926,7 @@
                 <a:pPr algn="ctr"/>
                 <a:r>
                   <a:rPr lang="zh-CN" altLang="en-US" sz="1050" dirty="0"/>
-                  <a:t>删除用户缓存</a:t>
+                  <a:t>获取文件</a:t>
                 </a:r>
                 <a:endParaRPr lang="en-US" altLang="zh-CN" sz="1050" dirty="0"/>
               </a:p>
@@ -12934,73 +12934,7 @@
                 <a:pPr algn="ctr"/>
                 <a:r>
                   <a:rPr lang="en-US" altLang="zh-CN" sz="1050" dirty="0"/>
-                  <a:t>delete</a:t>
-                </a:r>
-                <a:endParaRPr lang="zh-CN" altLang="en-US" sz="1050" dirty="0"/>
-              </a:p>
-            </p:txBody>
-          </p:sp>
-          <p:sp>
-            <p:nvSpPr>
-              <p:cNvPr id="75" name="矩形 74">
-                <a:extLst>
-                  <a:ext uri="{FF2B5EF4-FFF2-40B4-BE49-F238E27FC236}">
-                    <a16:creationId xmlns:a16="http://schemas.microsoft.com/office/drawing/2014/main" id="{5CC21AEF-C79A-41A4-8A3B-C6ADCB45B5E8}"/>
-                  </a:ext>
-                </a:extLst>
-              </p:cNvPr>
-              <p:cNvSpPr/>
-              <p:nvPr/>
-            </p:nvSpPr>
-            <p:spPr>
-              <a:xfrm>
-                <a:off x="10783945" y="3207084"/>
-                <a:ext cx="989705" cy="357241"/>
-              </a:xfrm>
-              <a:prstGeom prst="rect">
-                <a:avLst/>
-              </a:prstGeom>
-              <a:noFill/>
-              <a:ln w="9525" cap="flat" cmpd="sng" algn="ctr">
-                <a:solidFill>
-                  <a:schemeClr val="dk1"/>
-                </a:solidFill>
-                <a:prstDash val="solid"/>
-                <a:round/>
-                <a:headEnd type="none" w="med" len="med"/>
-                <a:tailEnd type="none" w="med" len="med"/>
-              </a:ln>
-            </p:spPr>
-            <p:style>
-              <a:lnRef idx="0">
-                <a:scrgbClr r="0" g="0" b="0"/>
-              </a:lnRef>
-              <a:fillRef idx="0">
-                <a:scrgbClr r="0" g="0" b="0"/>
-              </a:fillRef>
-              <a:effectRef idx="0">
-                <a:scrgbClr r="0" g="0" b="0"/>
-              </a:effectRef>
-              <a:fontRef idx="minor">
-                <a:schemeClr val="dk1"/>
-              </a:fontRef>
-            </p:style>
-            <p:txBody>
-              <a:bodyPr rtlCol="0" anchor="ctr"/>
-              <a:lstStyle/>
-              <a:p>
-                <a:pPr algn="ctr"/>
-                <a:r>
-                  <a:rPr lang="zh-CN" altLang="en-US" sz="1050" dirty="0"/>
-                  <a:t>查询用户缓存</a:t>
-                </a:r>
-                <a:endParaRPr lang="en-US" altLang="zh-CN" sz="1050" dirty="0"/>
-              </a:p>
-              <a:p>
-                <a:pPr algn="ctr"/>
-                <a:r>
-                  <a:rPr lang="en-US" altLang="zh-CN" sz="1050" dirty="0" err="1"/>
-                  <a:t>findByID</a:t>
+                  <a:t>get</a:t>
                 </a:r>
                 <a:endParaRPr lang="zh-CN" altLang="en-US" sz="1050" dirty="0"/>
               </a:p>
@@ -13020,8 +12954,8 @@
             </p:nvSpPr>
             <p:spPr>
               <a:xfrm>
-                <a:off x="8804535" y="3207085"/>
-                <a:ext cx="989705" cy="357241"/>
+                <a:off x="8845454" y="3207085"/>
+                <a:ext cx="778339" cy="357241"/>
               </a:xfrm>
               <a:prstGeom prst="rect">
                 <a:avLst/>
@@ -13066,7 +13000,7 @@
                 <a:pPr algn="ctr"/>
                 <a:r>
                   <a:rPr lang="en-US" altLang="zh-CN" sz="1050" dirty="0"/>
-                  <a:t>save</a:t>
+                  <a:t>put</a:t>
                 </a:r>
                 <a:endParaRPr lang="zh-CN" altLang="en-US" sz="1050" dirty="0"/>
               </a:p>
@@ -13092,8 +13026,8 @@
         </p:nvCxnSpPr>
         <p:spPr>
           <a:xfrm flipV="1">
-            <a:off x="6095097" y="3720064"/>
-            <a:ext cx="1631728" cy="495209"/>
+            <a:off x="6874036" y="3914800"/>
+            <a:ext cx="1632402" cy="495211"/>
           </a:xfrm>
           <a:prstGeom prst="straightConnector1">
             <a:avLst/>
@@ -13136,8 +13070,8 @@
         </p:nvCxnSpPr>
         <p:spPr>
           <a:xfrm flipV="1">
-            <a:off x="2326278" y="3720064"/>
-            <a:ext cx="5400547" cy="495209"/>
+            <a:off x="3105217" y="3914800"/>
+            <a:ext cx="5401221" cy="495211"/>
           </a:xfrm>
           <a:prstGeom prst="straightConnector1">
             <a:avLst/>
@@ -13180,8 +13114,8 @@
         </p:nvCxnSpPr>
         <p:spPr>
           <a:xfrm flipV="1">
-            <a:off x="9866553" y="3720064"/>
-            <a:ext cx="498350" cy="495212"/>
+            <a:off x="10645492" y="3914800"/>
+            <a:ext cx="499024" cy="495214"/>
           </a:xfrm>
           <a:prstGeom prst="straightConnector1">
             <a:avLst/>
@@ -13224,8 +13158,8 @@
         </p:nvCxnSpPr>
         <p:spPr>
           <a:xfrm flipV="1">
-            <a:off x="6095097" y="3720064"/>
-            <a:ext cx="4269806" cy="495209"/>
+            <a:off x="6874036" y="3914800"/>
+            <a:ext cx="4270480" cy="495211"/>
           </a:xfrm>
           <a:prstGeom prst="straightConnector1">
             <a:avLst/>
@@ -13267,7 +13201,7 @@
         </p:nvCxnSpPr>
         <p:spPr>
           <a:xfrm rot="16200000" flipH="1">
-            <a:off x="9045864" y="2401025"/>
+            <a:off x="9825477" y="2595761"/>
             <a:ext cx="12700" cy="2638078"/>
           </a:xfrm>
           <a:prstGeom prst="bentConnector3">
@@ -13294,6 +13228,617 @@
           </a:fontRef>
         </p:style>
       </p:cxnSp>
+      <p:grpSp>
+        <p:nvGrpSpPr>
+          <p:cNvPr id="136" name="组合 135">
+            <a:extLst>
+              <a:ext uri="{FF2B5EF4-FFF2-40B4-BE49-F238E27FC236}">
+                <a16:creationId xmlns:a16="http://schemas.microsoft.com/office/drawing/2014/main" id="{6129757B-E758-4D0B-A45D-383F18362C12}"/>
+              </a:ext>
+            </a:extLst>
+          </p:cNvPr>
+          <p:cNvGrpSpPr/>
+          <p:nvPr/>
+        </p:nvGrpSpPr>
+        <p:grpSpPr>
+          <a:xfrm>
+            <a:off x="2433815" y="3068345"/>
+            <a:ext cx="2753846" cy="843281"/>
+            <a:chOff x="1319679" y="3068345"/>
+            <a:chExt cx="2753846" cy="843281"/>
+          </a:xfrm>
+        </p:grpSpPr>
+        <p:sp>
+          <p:nvSpPr>
+            <p:cNvPr id="122" name="矩形: 折角 121">
+              <a:extLst>
+                <a:ext uri="{FF2B5EF4-FFF2-40B4-BE49-F238E27FC236}">
+                  <a16:creationId xmlns:a16="http://schemas.microsoft.com/office/drawing/2014/main" id="{AA888B95-0A32-4866-8DAB-05611AEA456B}"/>
+                </a:ext>
+              </a:extLst>
+            </p:cNvPr>
+            <p:cNvSpPr/>
+            <p:nvPr/>
+          </p:nvSpPr>
+          <p:spPr>
+            <a:xfrm>
+              <a:off x="1319679" y="3068345"/>
+              <a:ext cx="2753846" cy="843281"/>
+            </a:xfrm>
+            <a:prstGeom prst="foldedCorner">
+              <a:avLst/>
+            </a:prstGeom>
+            <a:noFill/>
+            <a:ln w="9525" cap="flat" cmpd="sng" algn="ctr">
+              <a:solidFill>
+                <a:schemeClr val="dk1"/>
+              </a:solidFill>
+              <a:prstDash val="solid"/>
+              <a:round/>
+              <a:headEnd type="none" w="med" len="med"/>
+              <a:tailEnd type="none" w="med" len="med"/>
+            </a:ln>
+          </p:spPr>
+          <p:style>
+            <a:lnRef idx="0">
+              <a:scrgbClr r="0" g="0" b="0"/>
+            </a:lnRef>
+            <a:fillRef idx="0">
+              <a:scrgbClr r="0" g="0" b="0"/>
+            </a:fillRef>
+            <a:effectRef idx="0">
+              <a:scrgbClr r="0" g="0" b="0"/>
+            </a:effectRef>
+            <a:fontRef idx="minor">
+              <a:schemeClr val="dk1"/>
+            </a:fontRef>
+          </p:style>
+          <p:txBody>
+            <a:bodyPr rtlCol="0" anchor="ctr"/>
+            <a:lstStyle/>
+            <a:p>
+              <a:pPr algn="ctr"/>
+              <a:endParaRPr lang="en-US" altLang="zh-CN" dirty="0"/>
+            </a:p>
+            <a:p>
+              <a:pPr algn="ctr"/>
+              <a:endParaRPr lang="en-US" altLang="zh-CN" dirty="0"/>
+            </a:p>
+            <a:p>
+              <a:pPr algn="ctr"/>
+              <a:r>
+                <a:rPr lang="en-US" altLang="zh-CN" dirty="0" err="1"/>
+                <a:t>TestNetRepository</a:t>
+              </a:r>
+              <a:endParaRPr lang="en-US" altLang="zh-CN" dirty="0"/>
+            </a:p>
+          </p:txBody>
+        </p:sp>
+        <p:grpSp>
+          <p:nvGrpSpPr>
+            <p:cNvPr id="123" name="组合 122">
+              <a:extLst>
+                <a:ext uri="{FF2B5EF4-FFF2-40B4-BE49-F238E27FC236}">
+                  <a16:creationId xmlns:a16="http://schemas.microsoft.com/office/drawing/2014/main" id="{BC203211-F1D1-4948-9C5D-19467B38B3DB}"/>
+                </a:ext>
+              </a:extLst>
+            </p:cNvPr>
+            <p:cNvGrpSpPr/>
+            <p:nvPr/>
+          </p:nvGrpSpPr>
+          <p:grpSpPr>
+            <a:xfrm>
+              <a:off x="1365760" y="3132744"/>
+              <a:ext cx="2659787" cy="357242"/>
+              <a:chOff x="8804535" y="3207084"/>
+              <a:chExt cx="2659787" cy="357242"/>
+            </a:xfrm>
+          </p:grpSpPr>
+          <p:sp>
+            <p:nvSpPr>
+              <p:cNvPr id="124" name="矩形 123">
+                <a:extLst>
+                  <a:ext uri="{FF2B5EF4-FFF2-40B4-BE49-F238E27FC236}">
+                    <a16:creationId xmlns:a16="http://schemas.microsoft.com/office/drawing/2014/main" id="{4AAA2ADA-4347-4A0A-8A97-98563FE8CD55}"/>
+                  </a:ext>
+                </a:extLst>
+              </p:cNvPr>
+              <p:cNvSpPr/>
+              <p:nvPr/>
+            </p:nvSpPr>
+            <p:spPr>
+              <a:xfrm>
+                <a:off x="9524644" y="3207085"/>
+                <a:ext cx="1219571" cy="357241"/>
+              </a:xfrm>
+              <a:prstGeom prst="rect">
+                <a:avLst/>
+              </a:prstGeom>
+              <a:noFill/>
+              <a:ln w="9525" cap="flat" cmpd="sng" algn="ctr">
+                <a:solidFill>
+                  <a:schemeClr val="dk1"/>
+                </a:solidFill>
+                <a:prstDash val="solid"/>
+                <a:round/>
+                <a:headEnd type="none" w="med" len="med"/>
+                <a:tailEnd type="none" w="med" len="med"/>
+              </a:ln>
+            </p:spPr>
+            <p:style>
+              <a:lnRef idx="0">
+                <a:scrgbClr r="0" g="0" b="0"/>
+              </a:lnRef>
+              <a:fillRef idx="0">
+                <a:scrgbClr r="0" g="0" b="0"/>
+              </a:fillRef>
+              <a:effectRef idx="0">
+                <a:scrgbClr r="0" g="0" b="0"/>
+              </a:effectRef>
+              <a:fontRef idx="minor">
+                <a:schemeClr val="dk1"/>
+              </a:fontRef>
+            </p:style>
+            <p:txBody>
+              <a:bodyPr rtlCol="0" anchor="ctr"/>
+              <a:lstStyle/>
+              <a:p>
+                <a:pPr algn="ctr"/>
+                <a:r>
+                  <a:rPr lang="zh-CN" altLang="en-US" sz="1050" dirty="0"/>
+                  <a:t>操作测试</a:t>
+                </a:r>
+                <a:endParaRPr lang="en-US" altLang="zh-CN" sz="1050" dirty="0"/>
+              </a:p>
+              <a:p>
+                <a:pPr algn="ctr"/>
+                <a:r>
+                  <a:rPr lang="en-US" altLang="zh-CN" sz="1050" dirty="0"/>
+                  <a:t>Start, Stop, Delete</a:t>
+                </a:r>
+                <a:endParaRPr lang="zh-CN" altLang="en-US" sz="1050" dirty="0"/>
+              </a:p>
+            </p:txBody>
+          </p:sp>
+          <p:sp>
+            <p:nvSpPr>
+              <p:cNvPr id="125" name="矩形 124">
+                <a:extLst>
+                  <a:ext uri="{FF2B5EF4-FFF2-40B4-BE49-F238E27FC236}">
+                    <a16:creationId xmlns:a16="http://schemas.microsoft.com/office/drawing/2014/main" id="{7A664317-B48F-4FC7-BE7E-25BF552DDE22}"/>
+                  </a:ext>
+                </a:extLst>
+              </p:cNvPr>
+              <p:cNvSpPr/>
+              <p:nvPr/>
+            </p:nvSpPr>
+            <p:spPr>
+              <a:xfrm>
+                <a:off x="10744215" y="3207084"/>
+                <a:ext cx="720107" cy="357241"/>
+              </a:xfrm>
+              <a:prstGeom prst="rect">
+                <a:avLst/>
+              </a:prstGeom>
+              <a:noFill/>
+              <a:ln w="9525" cap="flat" cmpd="sng" algn="ctr">
+                <a:solidFill>
+                  <a:schemeClr val="dk1"/>
+                </a:solidFill>
+                <a:prstDash val="solid"/>
+                <a:round/>
+                <a:headEnd type="none" w="med" len="med"/>
+                <a:tailEnd type="none" w="med" len="med"/>
+              </a:ln>
+            </p:spPr>
+            <p:style>
+              <a:lnRef idx="0">
+                <a:scrgbClr r="0" g="0" b="0"/>
+              </a:lnRef>
+              <a:fillRef idx="0">
+                <a:scrgbClr r="0" g="0" b="0"/>
+              </a:fillRef>
+              <a:effectRef idx="0">
+                <a:scrgbClr r="0" g="0" b="0"/>
+              </a:effectRef>
+              <a:fontRef idx="minor">
+                <a:schemeClr val="dk1"/>
+              </a:fontRef>
+            </p:style>
+            <p:txBody>
+              <a:bodyPr rtlCol="0" anchor="ctr"/>
+              <a:lstStyle/>
+              <a:p>
+                <a:pPr algn="ctr"/>
+                <a:r>
+                  <a:rPr lang="zh-CN" altLang="en-US" sz="1050" dirty="0"/>
+                  <a:t>获取文件</a:t>
+                </a:r>
+                <a:endParaRPr lang="en-US" altLang="zh-CN" sz="1050" dirty="0"/>
+              </a:p>
+              <a:p>
+                <a:pPr algn="ctr"/>
+                <a:r>
+                  <a:rPr lang="en-US" altLang="zh-CN" sz="1050" dirty="0" err="1"/>
+                  <a:t>getXXX</a:t>
+                </a:r>
+                <a:endParaRPr lang="zh-CN" altLang="en-US" sz="1050" dirty="0"/>
+              </a:p>
+            </p:txBody>
+          </p:sp>
+          <p:sp>
+            <p:nvSpPr>
+              <p:cNvPr id="126" name="矩形 125">
+                <a:extLst>
+                  <a:ext uri="{FF2B5EF4-FFF2-40B4-BE49-F238E27FC236}">
+                    <a16:creationId xmlns:a16="http://schemas.microsoft.com/office/drawing/2014/main" id="{4F65BBD9-0DE9-4282-AEFA-E404E6B9F1D6}"/>
+                  </a:ext>
+                </a:extLst>
+              </p:cNvPr>
+              <p:cNvSpPr/>
+              <p:nvPr/>
+            </p:nvSpPr>
+            <p:spPr>
+              <a:xfrm>
+                <a:off x="8804535" y="3207085"/>
+                <a:ext cx="720107" cy="357241"/>
+              </a:xfrm>
+              <a:prstGeom prst="rect">
+                <a:avLst/>
+              </a:prstGeom>
+              <a:noFill/>
+              <a:ln w="9525" cap="flat" cmpd="sng" algn="ctr">
+                <a:solidFill>
+                  <a:schemeClr val="dk1"/>
+                </a:solidFill>
+                <a:prstDash val="solid"/>
+                <a:round/>
+                <a:headEnd type="none" w="med" len="med"/>
+                <a:tailEnd type="none" w="med" len="med"/>
+              </a:ln>
+            </p:spPr>
+            <p:style>
+              <a:lnRef idx="0">
+                <a:scrgbClr r="0" g="0" b="0"/>
+              </a:lnRef>
+              <a:fillRef idx="0">
+                <a:scrgbClr r="0" g="0" b="0"/>
+              </a:fillRef>
+              <a:effectRef idx="0">
+                <a:scrgbClr r="0" g="0" b="0"/>
+              </a:effectRef>
+              <a:fontRef idx="minor">
+                <a:schemeClr val="dk1"/>
+              </a:fontRef>
+            </p:style>
+            <p:txBody>
+              <a:bodyPr rtlCol="0" anchor="ctr"/>
+              <a:lstStyle/>
+              <a:p>
+                <a:pPr algn="ctr"/>
+                <a:r>
+                  <a:rPr lang="zh-CN" altLang="en-US" sz="1050" dirty="0"/>
+                  <a:t>新建测试</a:t>
+                </a:r>
+                <a:endParaRPr lang="en-US" altLang="zh-CN" sz="1050" dirty="0"/>
+              </a:p>
+              <a:p>
+                <a:pPr algn="ctr"/>
+                <a:r>
+                  <a:rPr lang="en-US" altLang="zh-CN" sz="1050" dirty="0"/>
+                  <a:t>New</a:t>
+                </a:r>
+                <a:endParaRPr lang="zh-CN" altLang="en-US" sz="1050" dirty="0"/>
+              </a:p>
+            </p:txBody>
+          </p:sp>
+        </p:grpSp>
+      </p:grpSp>
+      <p:grpSp>
+        <p:nvGrpSpPr>
+          <p:cNvPr id="137" name="组合 136">
+            <a:extLst>
+              <a:ext uri="{FF2B5EF4-FFF2-40B4-BE49-F238E27FC236}">
+                <a16:creationId xmlns:a16="http://schemas.microsoft.com/office/drawing/2014/main" id="{D77587FA-3CDB-4076-8ACC-8E6EBAFA8984}"/>
+              </a:ext>
+            </a:extLst>
+          </p:cNvPr>
+          <p:cNvGrpSpPr/>
+          <p:nvPr/>
+        </p:nvGrpSpPr>
+        <p:grpSpPr>
+          <a:xfrm>
+            <a:off x="288228" y="3071521"/>
+            <a:ext cx="2142412" cy="836928"/>
+            <a:chOff x="-825908" y="3071521"/>
+            <a:chExt cx="2142412" cy="836928"/>
+          </a:xfrm>
+        </p:grpSpPr>
+        <p:sp>
+          <p:nvSpPr>
+            <p:cNvPr id="129" name="矩形: 折角 128">
+              <a:extLst>
+                <a:ext uri="{FF2B5EF4-FFF2-40B4-BE49-F238E27FC236}">
+                  <a16:creationId xmlns:a16="http://schemas.microsoft.com/office/drawing/2014/main" id="{D0899CEB-0A2D-4C87-8B59-5F2420D790C1}"/>
+                </a:ext>
+              </a:extLst>
+            </p:cNvPr>
+            <p:cNvSpPr/>
+            <p:nvPr/>
+          </p:nvSpPr>
+          <p:spPr>
+            <a:xfrm>
+              <a:off x="-825908" y="3071521"/>
+              <a:ext cx="2142412" cy="836928"/>
+            </a:xfrm>
+            <a:prstGeom prst="foldedCorner">
+              <a:avLst/>
+            </a:prstGeom>
+            <a:noFill/>
+            <a:ln w="9525" cap="flat" cmpd="sng" algn="ctr">
+              <a:solidFill>
+                <a:schemeClr val="dk1"/>
+              </a:solidFill>
+              <a:prstDash val="solid"/>
+              <a:round/>
+              <a:headEnd type="none" w="med" len="med"/>
+              <a:tailEnd type="none" w="med" len="med"/>
+            </a:ln>
+          </p:spPr>
+          <p:style>
+            <a:lnRef idx="0">
+              <a:scrgbClr r="0" g="0" b="0"/>
+            </a:lnRef>
+            <a:fillRef idx="0">
+              <a:scrgbClr r="0" g="0" b="0"/>
+            </a:fillRef>
+            <a:effectRef idx="0">
+              <a:scrgbClr r="0" g="0" b="0"/>
+            </a:effectRef>
+            <a:fontRef idx="minor">
+              <a:schemeClr val="dk1"/>
+            </a:fontRef>
+          </p:style>
+          <p:txBody>
+            <a:bodyPr rtlCol="0" anchor="ctr"/>
+            <a:lstStyle/>
+            <a:p>
+              <a:pPr algn="ctr"/>
+              <a:endParaRPr lang="en-US" altLang="zh-CN" dirty="0"/>
+            </a:p>
+            <a:p>
+              <a:pPr algn="ctr"/>
+              <a:endParaRPr lang="en-US" altLang="zh-CN" dirty="0"/>
+            </a:p>
+            <a:p>
+              <a:pPr algn="ctr"/>
+              <a:r>
+                <a:rPr lang="en-US" altLang="zh-CN" dirty="0" err="1"/>
+                <a:t>UserAuthRepository</a:t>
+              </a:r>
+              <a:endParaRPr lang="en-US" altLang="zh-CN" dirty="0"/>
+            </a:p>
+          </p:txBody>
+        </p:sp>
+        <p:grpSp>
+          <p:nvGrpSpPr>
+            <p:cNvPr id="130" name="组合 129">
+              <a:extLst>
+                <a:ext uri="{FF2B5EF4-FFF2-40B4-BE49-F238E27FC236}">
+                  <a16:creationId xmlns:a16="http://schemas.microsoft.com/office/drawing/2014/main" id="{3E15104C-3250-4E85-A4E5-6610EF7A9C96}"/>
+                </a:ext>
+              </a:extLst>
+            </p:cNvPr>
+            <p:cNvGrpSpPr/>
+            <p:nvPr/>
+          </p:nvGrpSpPr>
+          <p:grpSpPr>
+            <a:xfrm>
+              <a:off x="-751775" y="3132666"/>
+              <a:ext cx="1992066" cy="357242"/>
+              <a:chOff x="8903876" y="3254941"/>
+              <a:chExt cx="1992066" cy="357242"/>
+            </a:xfrm>
+          </p:grpSpPr>
+          <p:sp>
+            <p:nvSpPr>
+              <p:cNvPr id="131" name="矩形 130">
+                <a:extLst>
+                  <a:ext uri="{FF2B5EF4-FFF2-40B4-BE49-F238E27FC236}">
+                    <a16:creationId xmlns:a16="http://schemas.microsoft.com/office/drawing/2014/main" id="{9D9886BF-90BB-4547-8566-36CE203B7C6E}"/>
+                  </a:ext>
+                </a:extLst>
+              </p:cNvPr>
+              <p:cNvSpPr/>
+              <p:nvPr/>
+            </p:nvSpPr>
+            <p:spPr>
+              <a:xfrm>
+                <a:off x="9567898" y="3254941"/>
+                <a:ext cx="664022" cy="357241"/>
+              </a:xfrm>
+              <a:prstGeom prst="rect">
+                <a:avLst/>
+              </a:prstGeom>
+              <a:noFill/>
+              <a:ln w="9525" cap="flat" cmpd="sng" algn="ctr">
+                <a:solidFill>
+                  <a:schemeClr val="dk1"/>
+                </a:solidFill>
+                <a:prstDash val="solid"/>
+                <a:round/>
+                <a:headEnd type="none" w="med" len="med"/>
+                <a:tailEnd type="none" w="med" len="med"/>
+              </a:ln>
+            </p:spPr>
+            <p:style>
+              <a:lnRef idx="0">
+                <a:scrgbClr r="0" g="0" b="0"/>
+              </a:lnRef>
+              <a:fillRef idx="0">
+                <a:scrgbClr r="0" g="0" b="0"/>
+              </a:fillRef>
+              <a:effectRef idx="0">
+                <a:scrgbClr r="0" g="0" b="0"/>
+              </a:effectRef>
+              <a:fontRef idx="minor">
+                <a:schemeClr val="dk1"/>
+              </a:fontRef>
+            </p:style>
+            <p:txBody>
+              <a:bodyPr rtlCol="0" anchor="ctr"/>
+              <a:lstStyle/>
+              <a:p>
+                <a:pPr algn="ctr"/>
+                <a:r>
+                  <a:rPr lang="zh-CN" altLang="en-US" sz="1050" dirty="0"/>
+                  <a:t>验证</a:t>
+                </a:r>
+                <a:endParaRPr lang="en-US" altLang="zh-CN" sz="1050" dirty="0"/>
+              </a:p>
+              <a:p>
+                <a:pPr algn="ctr"/>
+                <a:r>
+                  <a:rPr lang="en-US" altLang="zh-CN" sz="1050" dirty="0"/>
+                  <a:t>verify</a:t>
+                </a:r>
+                <a:endParaRPr lang="zh-CN" altLang="en-US" sz="1050" dirty="0"/>
+              </a:p>
+            </p:txBody>
+          </p:sp>
+          <p:sp>
+            <p:nvSpPr>
+              <p:cNvPr id="132" name="矩形 131">
+                <a:extLst>
+                  <a:ext uri="{FF2B5EF4-FFF2-40B4-BE49-F238E27FC236}">
+                    <a16:creationId xmlns:a16="http://schemas.microsoft.com/office/drawing/2014/main" id="{F518FAFA-3162-4BE8-B439-BF98615DD1B9}"/>
+                  </a:ext>
+                </a:extLst>
+              </p:cNvPr>
+              <p:cNvSpPr/>
+              <p:nvPr/>
+            </p:nvSpPr>
+            <p:spPr>
+              <a:xfrm>
+                <a:off x="10231920" y="3254941"/>
+                <a:ext cx="664022" cy="357241"/>
+              </a:xfrm>
+              <a:prstGeom prst="rect">
+                <a:avLst/>
+              </a:prstGeom>
+              <a:noFill/>
+              <a:ln w="9525" cap="flat" cmpd="sng" algn="ctr">
+                <a:solidFill>
+                  <a:schemeClr val="dk1"/>
+                </a:solidFill>
+                <a:prstDash val="solid"/>
+                <a:round/>
+                <a:headEnd type="none" w="med" len="med"/>
+                <a:tailEnd type="none" w="med" len="med"/>
+              </a:ln>
+            </p:spPr>
+            <p:style>
+              <a:lnRef idx="0">
+                <a:scrgbClr r="0" g="0" b="0"/>
+              </a:lnRef>
+              <a:fillRef idx="0">
+                <a:scrgbClr r="0" g="0" b="0"/>
+              </a:fillRef>
+              <a:effectRef idx="0">
+                <a:scrgbClr r="0" g="0" b="0"/>
+              </a:effectRef>
+              <a:fontRef idx="minor">
+                <a:schemeClr val="dk1"/>
+              </a:fontRef>
+            </p:style>
+            <p:txBody>
+              <a:bodyPr rtlCol="0" anchor="ctr"/>
+              <a:lstStyle/>
+              <a:p>
+                <a:pPr algn="ctr"/>
+                <a:r>
+                  <a:rPr lang="zh-CN" altLang="en-US" sz="1050" dirty="0"/>
+                  <a:t>修改</a:t>
+                </a:r>
+                <a:endParaRPr lang="en-US" altLang="zh-CN" sz="1050" dirty="0"/>
+              </a:p>
+              <a:p>
+                <a:pPr algn="ctr"/>
+                <a:r>
+                  <a:rPr lang="en-US" altLang="zh-CN" sz="1050" dirty="0"/>
+                  <a:t>update</a:t>
+                </a:r>
+              </a:p>
+            </p:txBody>
+          </p:sp>
+          <p:sp>
+            <p:nvSpPr>
+              <p:cNvPr id="133" name="矩形 132">
+                <a:extLst>
+                  <a:ext uri="{FF2B5EF4-FFF2-40B4-BE49-F238E27FC236}">
+                    <a16:creationId xmlns:a16="http://schemas.microsoft.com/office/drawing/2014/main" id="{38163547-2E57-49C3-B925-57C6ED0A4E89}"/>
+                  </a:ext>
+                </a:extLst>
+              </p:cNvPr>
+              <p:cNvSpPr/>
+              <p:nvPr/>
+            </p:nvSpPr>
+            <p:spPr>
+              <a:xfrm>
+                <a:off x="8903876" y="3254942"/>
+                <a:ext cx="664022" cy="357241"/>
+              </a:xfrm>
+              <a:prstGeom prst="rect">
+                <a:avLst/>
+              </a:prstGeom>
+              <a:noFill/>
+              <a:ln w="9525" cap="flat" cmpd="sng" algn="ctr">
+                <a:solidFill>
+                  <a:schemeClr val="dk1"/>
+                </a:solidFill>
+                <a:prstDash val="solid"/>
+                <a:round/>
+                <a:headEnd type="none" w="med" len="med"/>
+                <a:tailEnd type="none" w="med" len="med"/>
+              </a:ln>
+            </p:spPr>
+            <p:style>
+              <a:lnRef idx="0">
+                <a:scrgbClr r="0" g="0" b="0"/>
+              </a:lnRef>
+              <a:fillRef idx="0">
+                <a:scrgbClr r="0" g="0" b="0"/>
+              </a:fillRef>
+              <a:effectRef idx="0">
+                <a:scrgbClr r="0" g="0" b="0"/>
+              </a:effectRef>
+              <a:fontRef idx="minor">
+                <a:schemeClr val="dk1"/>
+              </a:fontRef>
+            </p:style>
+            <p:txBody>
+              <a:bodyPr rtlCol="0" anchor="ctr"/>
+              <a:lstStyle/>
+              <a:p>
+                <a:pPr algn="ctr"/>
+                <a:r>
+                  <a:rPr lang="zh-CN" altLang="en-US" sz="1050" dirty="0"/>
+                  <a:t>注册</a:t>
+                </a:r>
+                <a:endParaRPr lang="en-US" altLang="zh-CN" sz="1050" dirty="0"/>
+              </a:p>
+              <a:p>
+                <a:pPr algn="ctr"/>
+                <a:r>
+                  <a:rPr lang="en-US" altLang="zh-CN" sz="1050" dirty="0"/>
+                  <a:t>register</a:t>
+                </a:r>
+                <a:endParaRPr lang="zh-CN" altLang="en-US" sz="1050" dirty="0"/>
+              </a:p>
+            </p:txBody>
+          </p:sp>
+        </p:grpSp>
+      </p:grpSp>
     </p:spTree>
     <p:extLst>
       <p:ext uri="{BB962C8B-B14F-4D97-AF65-F5344CB8AC3E}">

--- a/设计图.pptx
+++ b/设计图.pptx
@@ -105,6 +105,11 @@
       </a:defRPr>
     </a:lvl9pPr>
   </p:defaultTextStyle>
+  <p:extLst>
+    <p:ext uri="{EFAFB233-063F-42B5-8137-9DF3F51BA10A}">
+      <p15:sldGuideLst xmlns:p15="http://schemas.microsoft.com/office/powerpoint/2012/main"/>
+    </p:ext>
+  </p:extLst>
 </p:presentation>
 </file>
 
@@ -7346,7 +7351,7 @@
             <a:pPr algn="ctr"/>
             <a:r>
               <a:rPr lang="en-US" altLang="zh-CN" dirty="0" err="1"/>
-              <a:t>UserController</a:t>
+              <a:t>UserAuthController</a:t>
             </a:r>
             <a:endParaRPr lang="en-US" altLang="zh-CN" dirty="0"/>
           </a:p>
@@ -7935,7 +7940,7 @@
             <a:pPr algn="ctr"/>
             <a:r>
               <a:rPr lang="en-US" altLang="zh-CN" dirty="0" err="1"/>
-              <a:t>AdminController</a:t>
+              <a:t>UserTestController</a:t>
             </a:r>
             <a:endParaRPr lang="en-US" altLang="zh-CN" dirty="0"/>
           </a:p>
@@ -8041,14 +8046,13 @@
           <p:cNvCxnSpPr>
             <a:cxnSpLocks/>
             <a:stCxn id="188" idx="0"/>
-            <a:endCxn id="190" idx="2"/>
           </p:cNvCxnSpPr>
           <p:nvPr/>
         </p:nvCxnSpPr>
         <p:spPr>
-          <a:xfrm flipV="1">
-            <a:off x="7662216" y="1237971"/>
-            <a:ext cx="349698" cy="497988"/>
+          <a:xfrm flipH="1" flipV="1">
+            <a:off x="5167633" y="1253612"/>
+            <a:ext cx="2494583" cy="482347"/>
           </a:xfrm>
           <a:prstGeom prst="straightConnector1">
             <a:avLst/>
@@ -8383,6 +8387,279 @@
           </a:fontRef>
         </p:style>
       </p:cxnSp>
+      <p:sp>
+        <p:nvSpPr>
+          <p:cNvPr id="105" name="矩形: 折角 104">
+            <a:extLst>
+              <a:ext uri="{FF2B5EF4-FFF2-40B4-BE49-F238E27FC236}">
+                <a16:creationId xmlns:a16="http://schemas.microsoft.com/office/drawing/2014/main" id="{1CCC84C6-9D7A-437E-89B6-831AB3C1F3D0}"/>
+              </a:ext>
+            </a:extLst>
+          </p:cNvPr>
+          <p:cNvSpPr/>
+          <p:nvPr/>
+        </p:nvSpPr>
+        <p:spPr>
+          <a:xfrm>
+            <a:off x="3920055" y="703091"/>
+            <a:ext cx="2727428" cy="534880"/>
+          </a:xfrm>
+          <a:prstGeom prst="foldedCorner">
+            <a:avLst/>
+          </a:prstGeom>
+          <a:noFill/>
+          <a:ln w="9525" cap="flat" cmpd="sng" algn="ctr">
+            <a:solidFill>
+              <a:schemeClr val="dk1"/>
+            </a:solidFill>
+            <a:prstDash val="solid"/>
+            <a:round/>
+            <a:headEnd type="none" w="med" len="med"/>
+            <a:tailEnd type="none" w="med" len="med"/>
+          </a:ln>
+        </p:spPr>
+        <p:style>
+          <a:lnRef idx="0">
+            <a:scrgbClr r="0" g="0" b="0"/>
+          </a:lnRef>
+          <a:fillRef idx="0">
+            <a:scrgbClr r="0" g="0" b="0"/>
+          </a:fillRef>
+          <a:effectRef idx="0">
+            <a:scrgbClr r="0" g="0" b="0"/>
+          </a:effectRef>
+          <a:fontRef idx="minor">
+            <a:schemeClr val="dk1"/>
+          </a:fontRef>
+        </p:style>
+        <p:txBody>
+          <a:bodyPr rtlCol="0" anchor="ctr"/>
+          <a:lstStyle/>
+          <a:p>
+            <a:pPr algn="ctr"/>
+            <a:r>
+              <a:rPr lang="en-US" altLang="zh-CN" dirty="0" err="1"/>
+              <a:t>AdminController</a:t>
+            </a:r>
+            <a:endParaRPr lang="en-US" altLang="zh-CN" dirty="0"/>
+          </a:p>
+        </p:txBody>
+      </p:sp>
+      <p:cxnSp>
+        <p:nvCxnSpPr>
+          <p:cNvPr id="108" name="直接箭头连接符 107">
+            <a:extLst>
+              <a:ext uri="{FF2B5EF4-FFF2-40B4-BE49-F238E27FC236}">
+                <a16:creationId xmlns:a16="http://schemas.microsoft.com/office/drawing/2014/main" id="{4D6E84A4-C287-4FF7-9B81-1E87598195C9}"/>
+              </a:ext>
+            </a:extLst>
+          </p:cNvPr>
+          <p:cNvCxnSpPr>
+            <a:cxnSpLocks/>
+            <a:stCxn id="187" idx="0"/>
+            <a:endCxn id="190" idx="2"/>
+          </p:cNvCxnSpPr>
+          <p:nvPr/>
+        </p:nvCxnSpPr>
+        <p:spPr>
+          <a:xfrm flipH="1" flipV="1">
+            <a:off x="8011914" y="1237971"/>
+            <a:ext cx="1287872" cy="502976"/>
+          </a:xfrm>
+          <a:prstGeom prst="straightConnector1">
+            <a:avLst/>
+          </a:prstGeom>
+          <a:ln>
+            <a:headEnd type="triangle" w="med" len="med"/>
+            <a:tailEnd type="none" w="med" len="med"/>
+          </a:ln>
+        </p:spPr>
+        <p:style>
+          <a:lnRef idx="3">
+            <a:schemeClr val="dk1"/>
+          </a:lnRef>
+          <a:fillRef idx="0">
+            <a:schemeClr val="dk1"/>
+          </a:fillRef>
+          <a:effectRef idx="2">
+            <a:schemeClr val="dk1"/>
+          </a:effectRef>
+          <a:fontRef idx="minor">
+            <a:schemeClr val="tx1"/>
+          </a:fontRef>
+        </p:style>
+      </p:cxnSp>
+      <p:sp>
+        <p:nvSpPr>
+          <p:cNvPr id="10" name="矩形 9">
+            <a:extLst>
+              <a:ext uri="{FF2B5EF4-FFF2-40B4-BE49-F238E27FC236}">
+                <a16:creationId xmlns:a16="http://schemas.microsoft.com/office/drawing/2014/main" id="{A8235ED8-4268-4E84-9829-A30EF7504D7F}"/>
+              </a:ext>
+            </a:extLst>
+          </p:cNvPr>
+          <p:cNvSpPr/>
+          <p:nvPr/>
+        </p:nvSpPr>
+        <p:spPr>
+          <a:xfrm>
+            <a:off x="0" y="413885"/>
+            <a:ext cx="12192000" cy="898229"/>
+          </a:xfrm>
+          <a:prstGeom prst="rect">
+            <a:avLst/>
+          </a:prstGeom>
+          <a:noFill/>
+          <a:ln w="57150" cap="flat" cmpd="sng" algn="ctr">
+            <a:solidFill>
+              <a:schemeClr val="accent1"/>
+            </a:solidFill>
+            <a:prstDash val="sysDash"/>
+            <a:round/>
+            <a:headEnd type="none" w="med" len="med"/>
+            <a:tailEnd type="none" w="med" len="med"/>
+          </a:ln>
+        </p:spPr>
+        <p:style>
+          <a:lnRef idx="0">
+            <a:scrgbClr r="0" g="0" b="0"/>
+          </a:lnRef>
+          <a:fillRef idx="0">
+            <a:scrgbClr r="0" g="0" b="0"/>
+          </a:fillRef>
+          <a:effectRef idx="0">
+            <a:scrgbClr r="0" g="0" b="0"/>
+          </a:effectRef>
+          <a:fontRef idx="minor">
+            <a:schemeClr val="accent1"/>
+          </a:fontRef>
+        </p:style>
+        <p:txBody>
+          <a:bodyPr rtlCol="0" anchor="t"/>
+          <a:lstStyle/>
+          <a:p>
+            <a:r>
+              <a:rPr lang="en-US" altLang="zh-CN" dirty="0" err="1"/>
+              <a:t>RestController</a:t>
+            </a:r>
+            <a:endParaRPr lang="zh-CN" altLang="en-US" dirty="0"/>
+          </a:p>
+        </p:txBody>
+      </p:sp>
+      <p:sp>
+        <p:nvSpPr>
+          <p:cNvPr id="114" name="矩形 113">
+            <a:extLst>
+              <a:ext uri="{FF2B5EF4-FFF2-40B4-BE49-F238E27FC236}">
+                <a16:creationId xmlns:a16="http://schemas.microsoft.com/office/drawing/2014/main" id="{45512149-ACE0-4E93-8544-03D661262193}"/>
+              </a:ext>
+            </a:extLst>
+          </p:cNvPr>
+          <p:cNvSpPr/>
+          <p:nvPr/>
+        </p:nvSpPr>
+        <p:spPr>
+          <a:xfrm>
+            <a:off x="0" y="1403297"/>
+            <a:ext cx="12192000" cy="1285921"/>
+          </a:xfrm>
+          <a:prstGeom prst="rect">
+            <a:avLst/>
+          </a:prstGeom>
+          <a:noFill/>
+          <a:ln w="57150" cap="flat" cmpd="sng" algn="ctr">
+            <a:solidFill>
+              <a:schemeClr val="accent1"/>
+            </a:solidFill>
+            <a:prstDash val="sysDash"/>
+            <a:round/>
+            <a:headEnd type="none" w="med" len="med"/>
+            <a:tailEnd type="none" w="med" len="med"/>
+          </a:ln>
+        </p:spPr>
+        <p:style>
+          <a:lnRef idx="0">
+            <a:scrgbClr r="0" g="0" b="0"/>
+          </a:lnRef>
+          <a:fillRef idx="0">
+            <a:scrgbClr r="0" g="0" b="0"/>
+          </a:fillRef>
+          <a:effectRef idx="0">
+            <a:scrgbClr r="0" g="0" b="0"/>
+          </a:effectRef>
+          <a:fontRef idx="minor">
+            <a:schemeClr val="accent1"/>
+          </a:fontRef>
+        </p:style>
+        <p:txBody>
+          <a:bodyPr rtlCol="0" anchor="t"/>
+          <a:lstStyle/>
+          <a:p>
+            <a:r>
+              <a:rPr lang="en-US" altLang="zh-CN" dirty="0"/>
+              <a:t>Service</a:t>
+            </a:r>
+            <a:endParaRPr lang="zh-CN" altLang="en-US" dirty="0"/>
+          </a:p>
+        </p:txBody>
+      </p:sp>
+      <p:sp>
+        <p:nvSpPr>
+          <p:cNvPr id="115" name="矩形 114">
+            <a:extLst>
+              <a:ext uri="{FF2B5EF4-FFF2-40B4-BE49-F238E27FC236}">
+                <a16:creationId xmlns:a16="http://schemas.microsoft.com/office/drawing/2014/main" id="{394407C9-391F-49D9-84CF-0BF0F1F034B4}"/>
+              </a:ext>
+            </a:extLst>
+          </p:cNvPr>
+          <p:cNvSpPr/>
+          <p:nvPr/>
+        </p:nvSpPr>
+        <p:spPr>
+          <a:xfrm>
+            <a:off x="0" y="2781124"/>
+            <a:ext cx="12192000" cy="4076876"/>
+          </a:xfrm>
+          <a:prstGeom prst="rect">
+            <a:avLst/>
+          </a:prstGeom>
+          <a:noFill/>
+          <a:ln w="57150" cap="flat" cmpd="sng" algn="ctr">
+            <a:solidFill>
+              <a:schemeClr val="accent1"/>
+            </a:solidFill>
+            <a:prstDash val="sysDash"/>
+            <a:round/>
+            <a:headEnd type="none" w="med" len="med"/>
+            <a:tailEnd type="none" w="med" len="med"/>
+          </a:ln>
+        </p:spPr>
+        <p:style>
+          <a:lnRef idx="0">
+            <a:scrgbClr r="0" g="0" b="0"/>
+          </a:lnRef>
+          <a:fillRef idx="0">
+            <a:scrgbClr r="0" g="0" b="0"/>
+          </a:fillRef>
+          <a:effectRef idx="0">
+            <a:scrgbClr r="0" g="0" b="0"/>
+          </a:effectRef>
+          <a:fontRef idx="minor">
+            <a:schemeClr val="accent1"/>
+          </a:fontRef>
+        </p:style>
+        <p:txBody>
+          <a:bodyPr rtlCol="0" anchor="t"/>
+          <a:lstStyle/>
+          <a:p>
+            <a:r>
+              <a:rPr lang="en-US" altLang="zh-CN" dirty="0"/>
+              <a:t>Repository</a:t>
+            </a:r>
+            <a:endParaRPr lang="zh-CN" altLang="en-US" dirty="0"/>
+          </a:p>
+        </p:txBody>
+      </p:sp>
     </p:spTree>
     <p:extLst>
       <p:ext uri="{BB962C8B-B14F-4D97-AF65-F5344CB8AC3E}">
